--- a/ppts/Week 07 - Tuesday.pptx
+++ b/ppts/Week 07 - Tuesday.pptx
@@ -212,7 +212,7 @@
           <a:p>
             <a:fld id="{6818AC9E-F183-C64A-9E91-E7C2502BFA4D}" type="datetimeFigureOut">
               <a:rPr lang="en-US" smtClean="0"/>
-              <a:t>10/10/22</a:t>
+              <a:t>3/6/2023</a:t>
             </a:fld>
             <a:endParaRPr lang="en-US"/>
           </a:p>
@@ -525,17 +525,32 @@
           <a:p>
             <a:r>
               <a:rPr lang="en-US" dirty="0"/>
-              <a:t>We have this week and Thursday next week. Then, we move on to another test. I will only be available on Tuesday during test week.</a:t>
+              <a:t>Nick Leaving UNO.</a:t>
+            </a:r>
+          </a:p>
+          <a:p>
+            <a:r>
+              <a:rPr lang="en-US" dirty="0"/>
+              <a:t>This week we’ll learn the last of the things and then a test appears.</a:t>
+            </a:r>
+          </a:p>
+          <a:p>
+            <a:r>
+              <a:rPr lang="en-US" dirty="0"/>
+              <a:t>We will come back to class during a test week. The test should appear mid-spring break.</a:t>
+            </a:r>
+          </a:p>
+          <a:p>
+            <a:r>
+              <a:rPr lang="en-US" dirty="0"/>
+              <a:t>Then we go into the hard part of class…</a:t>
             </a:r>
           </a:p>
           <a:p>
             <a:endParaRPr lang="en-US" dirty="0"/>
           </a:p>
           <a:p>
-            <a:r>
-              <a:rPr lang="en-US" dirty="0"/>
-              <a:t>This weekend, thanks to the break, I’ll be solidifying the points and getting everything in order so y’all can know where you all stand.</a:t>
-            </a:r>
+            <a:endParaRPr lang="en-US" dirty="0"/>
           </a:p>
         </p:txBody>
       </p:sp>
@@ -955,12 +970,6 @@
           <a:bodyPr/>
           <a:lstStyle/>
           <a:p>
-            <a:r>
-              <a:rPr lang="en-US" dirty="0"/>
-              <a:t>We have this week and Thursday next week. Then, we move on to another test. I will only be available on Tuesday during test week.</a:t>
-            </a:r>
-          </a:p>
-          <a:p>
             <a:endParaRPr lang="en-US" dirty="0"/>
           </a:p>
         </p:txBody>
@@ -1047,11 +1056,8 @@
           <a:p>
             <a:r>
               <a:rPr lang="en-US" dirty="0"/>
-              <a:t>We have this week and Thursday next week. Then, we move on to another test. I will only be available on Tuesday during test week.</a:t>
-            </a:r>
-          </a:p>
-          <a:p>
-            <a:endParaRPr lang="en-US" dirty="0"/>
+              <a:t>	</a:t>
+            </a:r>
           </a:p>
         </p:txBody>
       </p:sp>
@@ -1135,12 +1141,6 @@
           <a:bodyPr/>
           <a:lstStyle/>
           <a:p>
-            <a:r>
-              <a:rPr lang="en-US" dirty="0"/>
-              <a:t>We have this week and Thursday next week. Then, we move on to another test. I will only be available on Tuesday during test week.</a:t>
-            </a:r>
-          </a:p>
-          <a:p>
             <a:endParaRPr lang="en-US" dirty="0"/>
           </a:p>
         </p:txBody>
@@ -1396,27 +1396,7 @@
                 <a:effectLst/>
                 <a:latin typeface="-apple-system"/>
               </a:rPr>
-              <a:t>The two pieces we need to </a:t>
-            </a:r>
-            <a:r>
-              <a:rPr lang="en-US" b="0" i="0" dirty="0" err="1">
-                <a:solidFill>
-                  <a:srgbClr val="C9D1D9"/>
-                </a:solidFill>
-                <a:effectLst/>
-                <a:latin typeface="-apple-system"/>
-              </a:rPr>
-              <a:t>cocentrate</a:t>
-            </a:r>
-            <a:r>
-              <a:rPr lang="en-US" b="0" i="0" dirty="0">
-                <a:solidFill>
-                  <a:srgbClr val="C9D1D9"/>
-                </a:solidFill>
-                <a:effectLst/>
-                <a:latin typeface="-apple-system"/>
-              </a:rPr>
-              <a:t> on is:</a:t>
+              <a:t>The two pieces we need to concentrate on is:</a:t>
             </a:r>
           </a:p>
           <a:p>
@@ -2240,12 +2220,6 @@
           <a:bodyPr/>
           <a:lstStyle/>
           <a:p>
-            <a:r>
-              <a:rPr lang="en-US" dirty="0"/>
-              <a:t>We have this week and Thursday next week. Then, we move on to another test. I will only be available on Tuesday during test week.</a:t>
-            </a:r>
-          </a:p>
-          <a:p>
             <a:endParaRPr lang="en-US" dirty="0"/>
           </a:p>
           <a:p>
@@ -2332,12 +2306,6 @@
         <p:txBody>
           <a:bodyPr/>
           <a:lstStyle/>
-          <a:p>
-            <a:r>
-              <a:rPr lang="en-US" dirty="0"/>
-              <a:t>We have this week and Thursday next week. Then, we move on to another test. I will only be available on Tuesday during test week.</a:t>
-            </a:r>
-          </a:p>
           <a:p>
             <a:endParaRPr lang="en-US" dirty="0"/>
           </a:p>
@@ -2526,7 +2494,7 @@
           <a:p>
             <a:fld id="{90681A72-BA5D-8B48-B6DD-CA1CD2F9EE48}" type="datetimeFigureOut">
               <a:rPr lang="en-US" smtClean="0"/>
-              <a:t>10/10/22</a:t>
+              <a:t>3/6/2023</a:t>
             </a:fld>
             <a:endParaRPr lang="en-US"/>
           </a:p>
@@ -2724,7 +2692,7 @@
           <a:p>
             <a:fld id="{90681A72-BA5D-8B48-B6DD-CA1CD2F9EE48}" type="datetimeFigureOut">
               <a:rPr lang="en-US" smtClean="0"/>
-              <a:t>10/10/22</a:t>
+              <a:t>3/6/2023</a:t>
             </a:fld>
             <a:endParaRPr lang="en-US"/>
           </a:p>
@@ -2932,7 +2900,7 @@
           <a:p>
             <a:fld id="{90681A72-BA5D-8B48-B6DD-CA1CD2F9EE48}" type="datetimeFigureOut">
               <a:rPr lang="en-US" smtClean="0"/>
-              <a:t>10/10/22</a:t>
+              <a:t>3/6/2023</a:t>
             </a:fld>
             <a:endParaRPr lang="en-US"/>
           </a:p>
@@ -3130,7 +3098,7 @@
           <a:p>
             <a:fld id="{90681A72-BA5D-8B48-B6DD-CA1CD2F9EE48}" type="datetimeFigureOut">
               <a:rPr lang="en-US" smtClean="0"/>
-              <a:t>10/10/22</a:t>
+              <a:t>3/6/2023</a:t>
             </a:fld>
             <a:endParaRPr lang="en-US"/>
           </a:p>
@@ -3405,7 +3373,7 @@
           <a:p>
             <a:fld id="{90681A72-BA5D-8B48-B6DD-CA1CD2F9EE48}" type="datetimeFigureOut">
               <a:rPr lang="en-US" smtClean="0"/>
-              <a:t>10/10/22</a:t>
+              <a:t>3/6/2023</a:t>
             </a:fld>
             <a:endParaRPr lang="en-US"/>
           </a:p>
@@ -3670,7 +3638,7 @@
           <a:p>
             <a:fld id="{90681A72-BA5D-8B48-B6DD-CA1CD2F9EE48}" type="datetimeFigureOut">
               <a:rPr lang="en-US" smtClean="0"/>
-              <a:t>10/10/22</a:t>
+              <a:t>3/6/2023</a:t>
             </a:fld>
             <a:endParaRPr lang="en-US"/>
           </a:p>
@@ -4082,7 +4050,7 @@
           <a:p>
             <a:fld id="{90681A72-BA5D-8B48-B6DD-CA1CD2F9EE48}" type="datetimeFigureOut">
               <a:rPr lang="en-US" smtClean="0"/>
-              <a:t>10/10/22</a:t>
+              <a:t>3/6/2023</a:t>
             </a:fld>
             <a:endParaRPr lang="en-US"/>
           </a:p>
@@ -4223,7 +4191,7 @@
           <a:p>
             <a:fld id="{90681A72-BA5D-8B48-B6DD-CA1CD2F9EE48}" type="datetimeFigureOut">
               <a:rPr lang="en-US" smtClean="0"/>
-              <a:t>10/10/22</a:t>
+              <a:t>3/6/2023</a:t>
             </a:fld>
             <a:endParaRPr lang="en-US"/>
           </a:p>
@@ -4336,7 +4304,7 @@
           <a:p>
             <a:fld id="{90681A72-BA5D-8B48-B6DD-CA1CD2F9EE48}" type="datetimeFigureOut">
               <a:rPr lang="en-US" smtClean="0"/>
-              <a:t>10/10/22</a:t>
+              <a:t>3/6/2023</a:t>
             </a:fld>
             <a:endParaRPr lang="en-US"/>
           </a:p>
@@ -4647,7 +4615,7 @@
           <a:p>
             <a:fld id="{90681A72-BA5D-8B48-B6DD-CA1CD2F9EE48}" type="datetimeFigureOut">
               <a:rPr lang="en-US" smtClean="0"/>
-              <a:t>10/10/22</a:t>
+              <a:t>3/6/2023</a:t>
             </a:fld>
             <a:endParaRPr lang="en-US"/>
           </a:p>
@@ -4935,7 +4903,7 @@
           <a:p>
             <a:fld id="{90681A72-BA5D-8B48-B6DD-CA1CD2F9EE48}" type="datetimeFigureOut">
               <a:rPr lang="en-US" smtClean="0"/>
-              <a:t>10/10/22</a:t>
+              <a:t>3/6/2023</a:t>
             </a:fld>
             <a:endParaRPr lang="en-US"/>
           </a:p>
@@ -5176,7 +5144,7 @@
           <a:p>
             <a:fld id="{90681A72-BA5D-8B48-B6DD-CA1CD2F9EE48}" type="datetimeFigureOut">
               <a:rPr lang="en-US" smtClean="0"/>
-              <a:t>10/10/22</a:t>
+              <a:t>3/6/2023</a:t>
             </a:fld>
             <a:endParaRPr lang="en-US"/>
           </a:p>
@@ -5636,7 +5604,7 @@
                   <a:schemeClr val="bg1"/>
                 </a:solidFill>
               </a:rPr>
-              <a:t>Admin</a:t>
+              <a:t>admin</a:t>
             </a:r>
             <a:endParaRPr lang="en-US" b="1" dirty="0">
               <a:solidFill>
@@ -5719,7 +5687,7 @@
                   <a:schemeClr val="bg1"/>
                 </a:solidFill>
               </a:rPr>
-              <a:t>This is Stupid</a:t>
+              <a:t>this is stupid</a:t>
             </a:r>
           </a:p>
         </p:txBody>
@@ -5786,21 +5754,21 @@
         </p:spPr>
         <p:txBody>
           <a:bodyPr>
-            <a:normAutofit fontScale="90000"/>
+            <a:noAutofit/>
           </a:bodyPr>
           <a:lstStyle/>
           <a:p>
             <a:pPr algn="ctr"/>
             <a:r>
-              <a:rPr lang="en-US" sz="16600" b="1" dirty="0">
+              <a:rPr lang="en-US" sz="12400" b="1" dirty="0">
                 <a:solidFill>
                   <a:schemeClr val="bg1"/>
                 </a:solidFill>
               </a:rPr>
-              <a:t>Don’t worry, it gets </a:t>
-            </a:r>
-            <a:r>
-              <a:rPr lang="en-US" sz="16600" b="1" strike="sngStrike" dirty="0">
+              <a:t>don’t worry, it gets </a:t>
+            </a:r>
+            <a:r>
+              <a:rPr lang="en-US" sz="12400" b="1" strike="sngStrike" dirty="0">
                 <a:solidFill>
                   <a:schemeClr val="bg1"/>
                 </a:solidFill>
@@ -5808,7 +5776,7 @@
               <a:t>worse </a:t>
             </a:r>
             <a:r>
-              <a:rPr lang="en-US" sz="16600" b="1" dirty="0">
+              <a:rPr lang="en-US" sz="12400" b="1" dirty="0">
                 <a:solidFill>
                   <a:schemeClr val="bg1"/>
                 </a:solidFill>
@@ -5891,7 +5859,7 @@
                   <a:schemeClr val="bg1"/>
                 </a:solidFill>
               </a:rPr>
-              <a:t>Error</a:t>
+              <a:t>error</a:t>
             </a:r>
           </a:p>
         </p:txBody>
@@ -6142,7 +6110,7 @@
                   <a:schemeClr val="bg1"/>
                 </a:solidFill>
               </a:rPr>
-              <a:t>Type 1 Errors</a:t>
+              <a:t>type 1 errors</a:t>
             </a:r>
             <a:endParaRPr lang="en-US" b="1" dirty="0">
               <a:solidFill>
@@ -6225,7 +6193,7 @@
                   <a:schemeClr val="bg1"/>
                 </a:solidFill>
               </a:rPr>
-              <a:t>Type 2 Errors</a:t>
+              <a:t>type 2 errors</a:t>
             </a:r>
             <a:endParaRPr lang="en-US" b="1" dirty="0">
               <a:solidFill>
@@ -6392,7 +6360,7 @@
                   <a:schemeClr val="bg1"/>
                 </a:solidFill>
               </a:rPr>
-              <a:t>Week 8</a:t>
+              <a:t>week 7</a:t>
             </a:r>
           </a:p>
         </p:txBody>
@@ -6431,7 +6399,7 @@
                   <a:schemeClr val="bg1"/>
                 </a:solidFill>
               </a:rPr>
-              <a:t>Ho’s, Ha’s, and Multiple T’s</a:t>
+              <a:t>ho’s, ha’s, and multiple t’s</a:t>
             </a:r>
           </a:p>
         </p:txBody>
@@ -6509,7 +6477,7 @@
                   <a:schemeClr val="bg1"/>
                 </a:solidFill>
               </a:rPr>
-              <a:t>Hypotheses!</a:t>
+              <a:t>hypotheses!</a:t>
             </a:r>
             <a:endParaRPr lang="en-US" b="1" dirty="0">
               <a:solidFill>
@@ -6859,7 +6827,7 @@
                   <a:schemeClr val="bg1"/>
                 </a:solidFill>
               </a:rPr>
-              <a:t>How we write </a:t>
+              <a:t>how we write </a:t>
             </a:r>
             <a:br>
               <a:rPr lang="en-US" sz="12800" b="1" dirty="0">
@@ -7151,7 +7119,7 @@
                   <a:schemeClr val="bg1"/>
                 </a:solidFill>
               </a:rPr>
-              <a:t>So…what?</a:t>
+              <a:t>so…what?</a:t>
             </a:r>
           </a:p>
         </p:txBody>

--- a/ppts/Week 07 - Tuesday.pptx
+++ b/ppts/Week 07 - Tuesday.pptx
@@ -212,7 +212,7 @@
           <a:p>
             <a:fld id="{6818AC9E-F183-C64A-9E91-E7C2502BFA4D}" type="datetimeFigureOut">
               <a:rPr lang="en-US" smtClean="0"/>
-              <a:t>3/6/2023</a:t>
+              <a:t>3/6/23</a:t>
             </a:fld>
             <a:endParaRPr lang="en-US"/>
           </a:p>
@@ -2494,7 +2494,7 @@
           <a:p>
             <a:fld id="{90681A72-BA5D-8B48-B6DD-CA1CD2F9EE48}" type="datetimeFigureOut">
               <a:rPr lang="en-US" smtClean="0"/>
-              <a:t>3/6/2023</a:t>
+              <a:t>3/6/23</a:t>
             </a:fld>
             <a:endParaRPr lang="en-US"/>
           </a:p>
@@ -2692,7 +2692,7 @@
           <a:p>
             <a:fld id="{90681A72-BA5D-8B48-B6DD-CA1CD2F9EE48}" type="datetimeFigureOut">
               <a:rPr lang="en-US" smtClean="0"/>
-              <a:t>3/6/2023</a:t>
+              <a:t>3/6/23</a:t>
             </a:fld>
             <a:endParaRPr lang="en-US"/>
           </a:p>
@@ -2900,7 +2900,7 @@
           <a:p>
             <a:fld id="{90681A72-BA5D-8B48-B6DD-CA1CD2F9EE48}" type="datetimeFigureOut">
               <a:rPr lang="en-US" smtClean="0"/>
-              <a:t>3/6/2023</a:t>
+              <a:t>3/6/23</a:t>
             </a:fld>
             <a:endParaRPr lang="en-US"/>
           </a:p>
@@ -3098,7 +3098,7 @@
           <a:p>
             <a:fld id="{90681A72-BA5D-8B48-B6DD-CA1CD2F9EE48}" type="datetimeFigureOut">
               <a:rPr lang="en-US" smtClean="0"/>
-              <a:t>3/6/2023</a:t>
+              <a:t>3/6/23</a:t>
             </a:fld>
             <a:endParaRPr lang="en-US"/>
           </a:p>
@@ -3373,7 +3373,7 @@
           <a:p>
             <a:fld id="{90681A72-BA5D-8B48-B6DD-CA1CD2F9EE48}" type="datetimeFigureOut">
               <a:rPr lang="en-US" smtClean="0"/>
-              <a:t>3/6/2023</a:t>
+              <a:t>3/6/23</a:t>
             </a:fld>
             <a:endParaRPr lang="en-US"/>
           </a:p>
@@ -3638,7 +3638,7 @@
           <a:p>
             <a:fld id="{90681A72-BA5D-8B48-B6DD-CA1CD2F9EE48}" type="datetimeFigureOut">
               <a:rPr lang="en-US" smtClean="0"/>
-              <a:t>3/6/2023</a:t>
+              <a:t>3/6/23</a:t>
             </a:fld>
             <a:endParaRPr lang="en-US"/>
           </a:p>
@@ -4050,7 +4050,7 @@
           <a:p>
             <a:fld id="{90681A72-BA5D-8B48-B6DD-CA1CD2F9EE48}" type="datetimeFigureOut">
               <a:rPr lang="en-US" smtClean="0"/>
-              <a:t>3/6/2023</a:t>
+              <a:t>3/6/23</a:t>
             </a:fld>
             <a:endParaRPr lang="en-US"/>
           </a:p>
@@ -4191,7 +4191,7 @@
           <a:p>
             <a:fld id="{90681A72-BA5D-8B48-B6DD-CA1CD2F9EE48}" type="datetimeFigureOut">
               <a:rPr lang="en-US" smtClean="0"/>
-              <a:t>3/6/2023</a:t>
+              <a:t>3/6/23</a:t>
             </a:fld>
             <a:endParaRPr lang="en-US"/>
           </a:p>
@@ -4304,7 +4304,7 @@
           <a:p>
             <a:fld id="{90681A72-BA5D-8B48-B6DD-CA1CD2F9EE48}" type="datetimeFigureOut">
               <a:rPr lang="en-US" smtClean="0"/>
-              <a:t>3/6/2023</a:t>
+              <a:t>3/6/23</a:t>
             </a:fld>
             <a:endParaRPr lang="en-US"/>
           </a:p>
@@ -4615,7 +4615,7 @@
           <a:p>
             <a:fld id="{90681A72-BA5D-8B48-B6DD-CA1CD2F9EE48}" type="datetimeFigureOut">
               <a:rPr lang="en-US" smtClean="0"/>
-              <a:t>3/6/2023</a:t>
+              <a:t>3/6/23</a:t>
             </a:fld>
             <a:endParaRPr lang="en-US"/>
           </a:p>
@@ -4903,7 +4903,7 @@
           <a:p>
             <a:fld id="{90681A72-BA5D-8B48-B6DD-CA1CD2F9EE48}" type="datetimeFigureOut">
               <a:rPr lang="en-US" smtClean="0"/>
-              <a:t>3/6/2023</a:t>
+              <a:t>3/6/23</a:t>
             </a:fld>
             <a:endParaRPr lang="en-US"/>
           </a:p>
@@ -5144,7 +5144,7 @@
           <a:p>
             <a:fld id="{90681A72-BA5D-8B48-B6DD-CA1CD2F9EE48}" type="datetimeFigureOut">
               <a:rPr lang="en-US" smtClean="0"/>
-              <a:t>3/6/2023</a:t>
+              <a:t>3/6/23</a:t>
             </a:fld>
             <a:endParaRPr lang="en-US"/>
           </a:p>
@@ -6399,7 +6399,7 @@
                   <a:schemeClr val="bg1"/>
                 </a:solidFill>
               </a:rPr>
-              <a:t>ho’s, ha’s, and multiple t’s</a:t>
+              <a:t>ho’s and ha’s</a:t>
             </a:r>
           </a:p>
         </p:txBody>
